--- a/output/04-split-composition.pptx
+++ b/output/04-split-composition.pptx
@@ -1278,8 +1278,8 @@
         </p:nvSpPr>
         <p:spPr>
           <a:xfrm>
-            <a:off x="3200400" y="2286000"/>
-            <a:ext cx="5486400" cy="1188720"/>
+            <a:off x="2560320" y="2286000"/>
+            <a:ext cx="6126480" cy="1188720"/>
           </a:xfrm>
           <a:prstGeom prst="rect">
             <a:avLst/>
@@ -1303,8 +1303,8 @@
         </p:nvSpPr>
         <p:spPr>
           <a:xfrm>
-            <a:off x="3383280" y="2377440"/>
-            <a:ext cx="5120640" cy="1005840"/>
+            <a:off x="2743200" y="2377440"/>
+            <a:ext cx="5760720" cy="1005840"/>
           </a:xfrm>
           <a:prstGeom prst="rect">
             <a:avLst/>
@@ -2622,7 +2622,7 @@
                 <a:ea typeface="Segoe UI" pitchFamily="34" charset="-122"/>
                 <a:cs typeface="Segoe UI" pitchFamily="34" charset="-120"/>
               </a:rPr>
-              <a:t>Planungsalgorithmus</a:t>
+              <a:t>Touren-Planung</a:t>
             </a:r>
             <a:endParaRPr lang="en-US" sz="1400" dirty="0"/>
           </a:p>
@@ -2661,7 +2661,7 @@
                 <a:ea typeface="Segoe UI" pitchFamily="34" charset="-122"/>
                 <a:cs typeface="Segoe UI" pitchFamily="34" charset="-120"/>
               </a:rPr>
-              <a:t>Intelligente Tourenoptimierung</a:t>
+              <a:t>Intelligente Routenoptimierung</a:t>
             </a:r>
             <a:endParaRPr lang="en-US" sz="1000" dirty="0"/>
           </a:p>
@@ -2895,7 +2895,7 @@
                 <a:ea typeface="Segoe UI" pitchFamily="34" charset="-122"/>
                 <a:cs typeface="Segoe UI" pitchFamily="34" charset="-120"/>
               </a:rPr>
-              <a:t>Zentrale Verwaltungsoberfläche</a:t>
+              <a:t>Zentrale Verwaltung</a:t>
             </a:r>
             <a:endParaRPr lang="en-US" sz="1000" dirty="0"/>
           </a:p>

--- a/output/04-split-composition.pptx
+++ b/output/04-split-composition.pptx
@@ -2125,7 +2125,7 @@
         <p:spPr>
           <a:xfrm>
             <a:off x="1645920" y="2377440"/>
-            <a:ext cx="1828800" cy="274320"/>
+            <a:ext cx="2743200" cy="274320"/>
           </a:xfrm>
           <a:prstGeom prst="rect">
             <a:avLst/>
@@ -2163,8 +2163,8 @@
         </p:nvSpPr>
         <p:spPr>
           <a:xfrm>
-            <a:off x="3474720" y="2377440"/>
-            <a:ext cx="3657600" cy="274320"/>
+            <a:off x="4389120" y="2377440"/>
+            <a:ext cx="2926080" cy="274320"/>
           </a:xfrm>
           <a:prstGeom prst="rect">
             <a:avLst/>
@@ -2206,7 +2206,7 @@
         <p:spPr>
           <a:xfrm>
             <a:off x="1645920" y="2788920"/>
-            <a:ext cx="1828800" cy="274320"/>
+            <a:ext cx="2743200" cy="274320"/>
           </a:xfrm>
           <a:prstGeom prst="rect">
             <a:avLst/>
@@ -2244,8 +2244,8 @@
         </p:nvSpPr>
         <p:spPr>
           <a:xfrm>
-            <a:off x="3474720" y="2788920"/>
-            <a:ext cx="3657600" cy="274320"/>
+            <a:off x="4389120" y="2788920"/>
+            <a:ext cx="2926080" cy="274320"/>
           </a:xfrm>
           <a:prstGeom prst="rect">
             <a:avLst/>
@@ -2287,7 +2287,7 @@
         <p:spPr>
           <a:xfrm>
             <a:off x="1645920" y="3200400"/>
-            <a:ext cx="1828800" cy="274320"/>
+            <a:ext cx="2743200" cy="274320"/>
           </a:xfrm>
           <a:prstGeom prst="rect">
             <a:avLst/>
@@ -2325,8 +2325,8 @@
         </p:nvSpPr>
         <p:spPr>
           <a:xfrm>
-            <a:off x="3474720" y="3200400"/>
-            <a:ext cx="3657600" cy="274320"/>
+            <a:off x="4389120" y="3200400"/>
+            <a:ext cx="2926080" cy="274320"/>
           </a:xfrm>
           <a:prstGeom prst="rect">
             <a:avLst/>
@@ -2368,7 +2368,7 @@
         <p:spPr>
           <a:xfrm>
             <a:off x="1645920" y="3611880"/>
-            <a:ext cx="1828800" cy="274320"/>
+            <a:ext cx="2743200" cy="274320"/>
           </a:xfrm>
           <a:prstGeom prst="rect">
             <a:avLst/>
@@ -2406,8 +2406,8 @@
         </p:nvSpPr>
         <p:spPr>
           <a:xfrm>
-            <a:off x="3474720" y="3611880"/>
-            <a:ext cx="3657600" cy="274320"/>
+            <a:off x="4389120" y="3611880"/>
+            <a:ext cx="2926080" cy="274320"/>
           </a:xfrm>
           <a:prstGeom prst="rect">
             <a:avLst/>
